--- a/Proga.pptx
+++ b/Proga.pptx
@@ -6087,7 +6087,47 @@
             </a:r>
             <a:r>
               <a:rPr lang="ru-RU" dirty="0"/>
-              <a:t>страницы объявления </a:t>
+              <a:t>страницы объявления (</a:t>
+            </a:r>
+            <a:r>
+              <a:rPr lang="en" dirty="0"/>
+              <a:t>requests</a:t>
+            </a:r>
+            <a:r>
+              <a:rPr lang="ru-RU" dirty="0"/>
+              <a:t>, </a:t>
+            </a:r>
+            <a:r>
+              <a:rPr lang="en" dirty="0"/>
+              <a:t>re</a:t>
+            </a:r>
+            <a:r>
+              <a:rPr lang="ru-RU" dirty="0"/>
+              <a:t>,</a:t>
+            </a:r>
+            <a:r>
+              <a:rPr lang="en" dirty="0"/>
+              <a:t>bs4</a:t>
+            </a:r>
+            <a:r>
+              <a:rPr lang="ru-RU" dirty="0"/>
+              <a:t> (</a:t>
+            </a:r>
+            <a:r>
+              <a:rPr lang="en" dirty="0" err="1"/>
+              <a:t>BeautifulSoup</a:t>
+            </a:r>
+            <a:r>
+              <a:rPr lang="ru-RU" dirty="0"/>
+              <a:t>),</a:t>
+            </a:r>
+            <a:r>
+              <a:rPr lang="en" dirty="0" err="1"/>
+              <a:t>lxml</a:t>
+            </a:r>
+            <a:r>
+              <a:rPr lang="ru-RU" dirty="0"/>
+              <a:t>)</a:t>
             </a:r>
           </a:p>
           <a:p>
@@ -6130,13 +6170,13 @@
           <p:nvPr>
             <p:extLst>
               <p:ext uri="{D42A27DB-BD31-4B8C-83A1-F6EECF244321}">
-                <p14:modId xmlns:p14="http://schemas.microsoft.com/office/powerpoint/2010/main" val="3206535325"/>
+                <p14:modId xmlns:p14="http://schemas.microsoft.com/office/powerpoint/2010/main" val="2369768337"/>
               </p:ext>
             </p:extLst>
           </p:nvPr>
         </p:nvGraphicFramePr>
         <p:xfrm>
-          <a:off x="677334" y="3579518"/>
+          <a:off x="677334" y="3937326"/>
           <a:ext cx="7680959" cy="2461845"/>
         </p:xfrm>
         <a:graphic>

--- a/Proga.pptx
+++ b/Proga.pptx
@@ -8,11 +8,12 @@
     <p:sldId id="256" r:id="rId2"/>
     <p:sldId id="257" r:id="rId3"/>
     <p:sldId id="258" r:id="rId4"/>
-    <p:sldId id="259" r:id="rId5"/>
-    <p:sldId id="263" r:id="rId6"/>
-    <p:sldId id="260" r:id="rId7"/>
-    <p:sldId id="261" r:id="rId8"/>
-    <p:sldId id="262" r:id="rId9"/>
+    <p:sldId id="264" r:id="rId5"/>
+    <p:sldId id="259" r:id="rId6"/>
+    <p:sldId id="263" r:id="rId7"/>
+    <p:sldId id="260" r:id="rId8"/>
+    <p:sldId id="261" r:id="rId9"/>
+    <p:sldId id="262" r:id="rId10"/>
   </p:sldIdLst>
   <p:sldSz cx="12192000" cy="6858000"/>
   <p:notesSz cx="6858000" cy="9144000"/>
@@ -7606,7 +7607,7 @@
         </p:nvSpPr>
         <p:spPr>
           <a:xfrm>
-            <a:off x="6336287" y="2160589"/>
+            <a:off x="7393067" y="2056817"/>
             <a:ext cx="3761870" cy="3880773"/>
           </a:xfrm>
         </p:spPr>
@@ -7685,10 +7686,10 @@
       </p:sp>
       <p:pic>
         <p:nvPicPr>
-          <p:cNvPr id="2052" name="Picture 4">
+          <p:cNvPr id="4098" name="Picture 2">
             <a:extLst>
               <a:ext uri="{FF2B5EF4-FFF2-40B4-BE49-F238E27FC236}">
-                <a16:creationId xmlns:a16="http://schemas.microsoft.com/office/drawing/2014/main" id="{1121CF20-D4DE-4AA1-AFF5-C6B7580D84EC}"/>
+                <a16:creationId xmlns:a16="http://schemas.microsoft.com/office/drawing/2014/main" id="{C99C2ACC-0434-C44C-95C9-D115727093E3}"/>
               </a:ext>
             </a:extLst>
           </p:cNvPr>
@@ -7705,13 +7706,13 @@
               </a:ext>
             </a:extLst>
           </a:blip>
-          <a:srcRect r="19328" b="1"/>
+          <a:srcRect l="2076"/>
           <a:stretch/>
         </p:blipFill>
         <p:spPr bwMode="auto">
           <a:xfrm>
-            <a:off x="677335" y="2159331"/>
-            <a:ext cx="5418666" cy="3882362"/>
+            <a:off x="437322" y="2056817"/>
+            <a:ext cx="6955745" cy="4098527"/>
           </a:xfrm>
           <a:prstGeom prst="rect">
             <a:avLst/>
@@ -7728,6 +7729,35 @@
           </a:extLst>
         </p:spPr>
       </p:pic>
+      <p:pic>
+        <p:nvPicPr>
+          <p:cNvPr id="4" name="Рисунок 3">
+            <a:extLst>
+              <a:ext uri="{FF2B5EF4-FFF2-40B4-BE49-F238E27FC236}">
+                <a16:creationId xmlns:a16="http://schemas.microsoft.com/office/drawing/2014/main" id="{6BE29BB8-090E-9F46-8124-25BFEB33E7A1}"/>
+              </a:ext>
+            </a:extLst>
+          </p:cNvPr>
+          <p:cNvPicPr>
+            <a:picLocks noChangeAspect="1"/>
+          </p:cNvPicPr>
+          <p:nvPr/>
+        </p:nvPicPr>
+        <p:blipFill rotWithShape="1">
+          <a:blip r:embed="rId3"/>
+          <a:srcRect l="329" t="11038" r="-20984" b="36064"/>
+          <a:stretch/>
+        </p:blipFill>
+        <p:spPr>
+          <a:xfrm>
+            <a:off x="132522" y="2056817"/>
+            <a:ext cx="304799" cy="2634453"/>
+          </a:xfrm>
+          <a:prstGeom prst="rect">
+            <a:avLst/>
+          </a:prstGeom>
+        </p:spPr>
+      </p:pic>
     </p:spTree>
     <p:extLst>
       <p:ext uri="{BB962C8B-B14F-4D97-AF65-F5344CB8AC3E}">
@@ -7742,6 +7772,149 @@
 </file>
 
 <file path=ppt/slides/slide4.xml><?xml version="1.0" encoding="utf-8"?>
+<p:sld xmlns:a="http://schemas.openxmlformats.org/drawingml/2006/main" xmlns:r="http://schemas.openxmlformats.org/officeDocument/2006/relationships" xmlns:p="http://schemas.openxmlformats.org/presentationml/2006/main">
+  <p:cSld>
+    <p:spTree>
+      <p:nvGrpSpPr>
+        <p:cNvPr id="1" name=""/>
+        <p:cNvGrpSpPr/>
+        <p:nvPr/>
+      </p:nvGrpSpPr>
+      <p:grpSpPr>
+        <a:xfrm>
+          <a:off x="0" y="0"/>
+          <a:ext cx="0" cy="0"/>
+          <a:chOff x="0" y="0"/>
+          <a:chExt cx="0" cy="0"/>
+        </a:xfrm>
+      </p:grpSpPr>
+      <p:sp>
+        <p:nvSpPr>
+          <p:cNvPr id="2" name="Заголовок 1">
+            <a:extLst>
+              <a:ext uri="{FF2B5EF4-FFF2-40B4-BE49-F238E27FC236}">
+                <a16:creationId xmlns:a16="http://schemas.microsoft.com/office/drawing/2014/main" id="{BB93E0AA-EE9A-3743-A747-E988426A4BDB}"/>
+              </a:ext>
+            </a:extLst>
+          </p:cNvPr>
+          <p:cNvSpPr>
+            <a:spLocks noGrp="1"/>
+          </p:cNvSpPr>
+          <p:nvPr>
+            <p:ph type="title"/>
+          </p:nvPr>
+        </p:nvSpPr>
+        <p:spPr>
+          <a:xfrm>
+            <a:off x="677333" y="609600"/>
+            <a:ext cx="9606353" cy="1320800"/>
+          </a:xfrm>
+        </p:spPr>
+        <p:txBody>
+          <a:bodyPr/>
+          <a:lstStyle/>
+          <a:p>
+            <a:r>
+              <a:rPr lang="ru-RU" dirty="0"/>
+              <a:t>Плотность распределения цены за </a:t>
+            </a:r>
+            <a:r>
+              <a:rPr lang="ru-RU" dirty="0" err="1"/>
+              <a:t>кв.м</a:t>
+            </a:r>
+            <a:endParaRPr lang="ru-RU" dirty="0"/>
+          </a:p>
+        </p:txBody>
+      </p:sp>
+      <p:sp>
+        <p:nvSpPr>
+          <p:cNvPr id="8" name="AutoShape 4">
+            <a:extLst>
+              <a:ext uri="{FF2B5EF4-FFF2-40B4-BE49-F238E27FC236}">
+                <a16:creationId xmlns:a16="http://schemas.microsoft.com/office/drawing/2014/main" id="{04F85833-ABFC-ED4F-98AC-70FD2DA284DA}"/>
+              </a:ext>
+            </a:extLst>
+          </p:cNvPr>
+          <p:cNvSpPr>
+            <a:spLocks noChangeAspect="1" noChangeArrowheads="1"/>
+          </p:cNvSpPr>
+          <p:nvPr/>
+        </p:nvSpPr>
+        <p:spPr bwMode="auto">
+          <a:xfrm>
+            <a:off x="2650435" y="3428999"/>
+            <a:ext cx="3750365" cy="3750365"/>
+          </a:xfrm>
+          <a:prstGeom prst="rect">
+            <a:avLst/>
+          </a:prstGeom>
+          <a:noFill/>
+          <a:extLst>
+            <a:ext uri="{909E8E84-426E-40DD-AFC4-6F175D3DCCD1}">
+              <a14:hiddenFill xmlns:a14="http://schemas.microsoft.com/office/drawing/2010/main">
+                <a:solidFill>
+                  <a:srgbClr val="FFFFFF"/>
+                </a:solidFill>
+              </a14:hiddenFill>
+            </a:ext>
+          </a:extLst>
+        </p:spPr>
+        <p:txBody>
+          <a:bodyPr vert="horz" wrap="square" lIns="91440" tIns="45720" rIns="91440" bIns="45720" numCol="1" anchor="t" anchorCtr="0" compatLnSpc="1">
+            <a:prstTxWarp prst="textNoShape">
+              <a:avLst/>
+            </a:prstTxWarp>
+          </a:bodyPr>
+          <a:lstStyle/>
+          <a:p>
+            <a:endParaRPr lang="ru-RU"/>
+          </a:p>
+        </p:txBody>
+      </p:sp>
+      <p:pic>
+        <p:nvPicPr>
+          <p:cNvPr id="10" name="Рисунок 9">
+            <a:extLst>
+              <a:ext uri="{FF2B5EF4-FFF2-40B4-BE49-F238E27FC236}">
+                <a16:creationId xmlns:a16="http://schemas.microsoft.com/office/drawing/2014/main" id="{E82A114D-989C-9645-82BC-8BB699F85BD7}"/>
+              </a:ext>
+            </a:extLst>
+          </p:cNvPr>
+          <p:cNvPicPr>
+            <a:picLocks noChangeAspect="1"/>
+          </p:cNvPicPr>
+          <p:nvPr/>
+        </p:nvPicPr>
+        <p:blipFill>
+          <a:blip r:embed="rId2"/>
+          <a:stretch>
+            <a:fillRect/>
+          </a:stretch>
+        </p:blipFill>
+        <p:spPr>
+          <a:xfrm>
+            <a:off x="422965" y="1358900"/>
+            <a:ext cx="9423400" cy="5359400"/>
+          </a:xfrm>
+          <a:prstGeom prst="rect">
+            <a:avLst/>
+          </a:prstGeom>
+        </p:spPr>
+      </p:pic>
+    </p:spTree>
+    <p:extLst>
+      <p:ext uri="{BB962C8B-B14F-4D97-AF65-F5344CB8AC3E}">
+        <p14:creationId xmlns:p14="http://schemas.microsoft.com/office/powerpoint/2010/main" val="3176790400"/>
+      </p:ext>
+    </p:extLst>
+  </p:cSld>
+  <p:clrMapOvr>
+    <a:masterClrMapping/>
+  </p:clrMapOvr>
+</p:sld>
+</file>
+
+<file path=ppt/slides/slide5.xml><?xml version="1.0" encoding="utf-8"?>
 <p:sld xmlns:a="http://schemas.openxmlformats.org/drawingml/2006/main" xmlns:r="http://schemas.openxmlformats.org/officeDocument/2006/relationships" xmlns:p="http://schemas.openxmlformats.org/presentationml/2006/main">
   <p:cSld>
     <p:bg>
@@ -8034,7 +8207,7 @@
 </p:sld>
 </file>
 
-<file path=ppt/slides/slide5.xml><?xml version="1.0" encoding="utf-8"?>
+<file path=ppt/slides/slide6.xml><?xml version="1.0" encoding="utf-8"?>
 <p:sld xmlns:a="http://schemas.openxmlformats.org/drawingml/2006/main" xmlns:r="http://schemas.openxmlformats.org/officeDocument/2006/relationships" xmlns:p="http://schemas.openxmlformats.org/presentationml/2006/main">
   <p:cSld>
     <p:spTree>
@@ -8190,7 +8363,7 @@
 </p:sld>
 </file>
 
-<file path=ppt/slides/slide6.xml><?xml version="1.0" encoding="utf-8"?>
+<file path=ppt/slides/slide7.xml><?xml version="1.0" encoding="utf-8"?>
 <p:sld xmlns:a="http://schemas.openxmlformats.org/drawingml/2006/main" xmlns:r="http://schemas.openxmlformats.org/officeDocument/2006/relationships" xmlns:p="http://schemas.openxmlformats.org/presentationml/2006/main">
   <p:cSld>
     <p:bg>
@@ -8483,7 +8656,7 @@
 </p:sld>
 </file>
 
-<file path=ppt/slides/slide7.xml><?xml version="1.0" encoding="utf-8"?>
+<file path=ppt/slides/slide8.xml><?xml version="1.0" encoding="utf-8"?>
 <p:sld xmlns:a="http://schemas.openxmlformats.org/drawingml/2006/main" xmlns:r="http://schemas.openxmlformats.org/officeDocument/2006/relationships" xmlns:p="http://schemas.openxmlformats.org/presentationml/2006/main">
   <p:cSld>
     <p:spTree>
@@ -8557,7 +8730,7 @@
           <p:nvPr>
             <p:extLst>
               <p:ext uri="{D42A27DB-BD31-4B8C-83A1-F6EECF244321}">
-                <p14:modId xmlns:p14="http://schemas.microsoft.com/office/powerpoint/2010/main" val="3967327530"/>
+                <p14:modId xmlns:p14="http://schemas.microsoft.com/office/powerpoint/2010/main" val="1030027449"/>
               </p:ext>
             </p:extLst>
           </p:nvPr>
@@ -11839,12 +12012,12 @@
                     <a:p>
                       <a:pPr algn="l" fontAlgn="b"/>
                       <a:r>
-                        <a:rPr lang="en" sz="800" u="none" strike="noStrike">
+                        <a:rPr lang="en" sz="800" u="none" strike="noStrike" dirty="0">
                           <a:effectLst/>
                         </a:rPr>
                         <a:t>Observations</a:t>
                       </a:r>
-                      <a:endParaRPr lang="en" sz="800" b="0" i="0" u="none" strike="noStrike">
+                      <a:endParaRPr lang="en" sz="800" b="0" i="0" u="none" strike="noStrike" dirty="0">
                         <a:solidFill>
                           <a:srgbClr val="000000"/>
                         </a:solidFill>
@@ -11862,12 +12035,12 @@
                     <a:p>
                       <a:pPr algn="r" fontAlgn="b"/>
                       <a:r>
-                        <a:rPr lang="ru-RU" sz="800" u="none" strike="noStrike">
+                        <a:rPr lang="ru-RU" sz="800" u="none" strike="noStrike" dirty="0">
                           <a:effectLst/>
                         </a:rPr>
                         <a:t>3,284</a:t>
                       </a:r>
-                      <a:endParaRPr lang="ru-RU" sz="800" b="0" i="0" u="none" strike="noStrike">
+                      <a:endParaRPr lang="ru-RU" sz="800" b="0" i="0" u="none" strike="noStrike" dirty="0">
                         <a:solidFill>
                           <a:srgbClr val="000000"/>
                         </a:solidFill>
@@ -12381,8 +12554,8 @@
         </p:nvSpPr>
         <p:spPr>
           <a:xfrm>
-            <a:off x="677334" y="1364974"/>
-            <a:ext cx="6955918" cy="4801314"/>
+            <a:off x="238539" y="1364974"/>
+            <a:ext cx="7394713" cy="5632311"/>
           </a:xfrm>
           <a:prstGeom prst="rect">
             <a:avLst/>
@@ -12421,12 +12594,44 @@
             </a:pPr>
             <a:r>
               <a:rPr lang="en-US" dirty="0"/>
-              <a:t>R2= 0,90 – </a:t>
+              <a:t>R2_adj= 0,88 – </a:t>
             </a:r>
             <a:r>
               <a:rPr lang="ru-RU" dirty="0"/>
               <a:t>достаточно высокая объяснительная сила модели</a:t>
             </a:r>
+            <a:endParaRPr lang="en-US" dirty="0"/>
+          </a:p>
+          <a:p>
+            <a:pPr marL="285750" indent="-285750">
+              <a:buFont typeface="Arial" panose="020B0604020202020204" pitchFamily="34" charset="0"/>
+              <a:buChar char="•"/>
+            </a:pPr>
+            <a:r>
+              <a:rPr lang="ru-RU" dirty="0"/>
+              <a:t>Проверена </a:t>
+            </a:r>
+            <a:r>
+              <a:rPr lang="ru-RU" dirty="0" err="1"/>
+              <a:t>мультиколлинеарность</a:t>
+            </a:r>
+            <a:r>
+              <a:rPr lang="ru-RU" dirty="0"/>
+              <a:t> с помощью </a:t>
+            </a:r>
+            <a:r>
+              <a:rPr lang="en-US" dirty="0"/>
+              <a:t>VIF</a:t>
+            </a:r>
+            <a:r>
+              <a:rPr lang="ru-RU" dirty="0"/>
+              <a:t> (все </a:t>
+            </a:r>
+            <a:r>
+              <a:rPr lang="en-US" dirty="0"/>
+              <a:t>&lt;10)</a:t>
+            </a:r>
+            <a:endParaRPr lang="ru-RU" dirty="0"/>
           </a:p>
           <a:p>
             <a:endParaRPr lang="ru-RU" dirty="0"/>
@@ -12471,6 +12676,23 @@
             <a:r>
               <a:rPr lang="ru-RU" dirty="0"/>
               <a:t>Цены на квартиры на 1 и последних этажах в среднем дешевле</a:t>
+            </a:r>
+          </a:p>
+          <a:p>
+            <a:pPr marL="342900" indent="-342900">
+              <a:buAutoNum type="arabicPeriod"/>
+            </a:pPr>
+            <a:r>
+              <a:rPr lang="ru-RU" dirty="0"/>
+              <a:t>Удаленность от метро не является </a:t>
+            </a:r>
+            <a:r>
+              <a:rPr lang="ru-RU" dirty="0" err="1"/>
+              <a:t>статзначимой</a:t>
+            </a:r>
+            <a:r>
+              <a:rPr lang="ru-RU" dirty="0"/>
+              <a:t> (пешком/на транспорте) – менее развито метро и ему придается меньший вес, возможно. Это не основная транспортная сеть. </a:t>
             </a:r>
           </a:p>
           <a:p>
@@ -12495,7 +12717,7 @@
 </p:sld>
 </file>
 
-<file path=ppt/slides/slide8.xml><?xml version="1.0" encoding="utf-8"?>
+<file path=ppt/slides/slide9.xml><?xml version="1.0" encoding="utf-8"?>
 <p:sld xmlns:a="http://schemas.openxmlformats.org/drawingml/2006/main" xmlns:r="http://schemas.openxmlformats.org/officeDocument/2006/relationships" xmlns:p="http://schemas.openxmlformats.org/presentationml/2006/main">
   <p:cSld>
     <p:spTree>
@@ -12556,13 +12778,13 @@
             <p:ph idx="1"/>
             <p:extLst>
               <p:ext uri="{D42A27DB-BD31-4B8C-83A1-F6EECF244321}">
-                <p14:modId xmlns:p14="http://schemas.microsoft.com/office/powerpoint/2010/main" val="1948962654"/>
+                <p14:modId xmlns:p14="http://schemas.microsoft.com/office/powerpoint/2010/main" val="3146701449"/>
               </p:ext>
             </p:extLst>
           </p:nvPr>
         </p:nvGraphicFramePr>
         <p:xfrm>
-          <a:off x="677334" y="2306606"/>
+          <a:off x="783351" y="2306606"/>
           <a:ext cx="4711435" cy="2701494"/>
         </p:xfrm>
         <a:graphic>
@@ -12588,12 +12810,12 @@
                     <a:p>
                       <a:pPr algn="l" fontAlgn="b"/>
                       <a:r>
-                        <a:rPr lang="ru-RU" sz="1200" u="none" strike="noStrike">
+                        <a:rPr lang="ru-RU" sz="1200" u="none" strike="noStrike" dirty="0">
                           <a:effectLst/>
                         </a:rPr>
                         <a:t>Площадь</a:t>
                       </a:r>
-                      <a:endParaRPr lang="ru-RU" sz="1200" b="0" i="0" u="none" strike="noStrike">
+                      <a:endParaRPr lang="ru-RU" sz="1200" b="0" i="0" u="none" strike="noStrike" dirty="0">
                         <a:solidFill>
                           <a:srgbClr val="000000"/>
                         </a:solidFill>
